--- a/matlab/movisign.pptx
+++ b/matlab/movisign.pptx
@@ -7,8 +7,11 @@
   <p:sldIdLst>
     <p:sldId id="256" r:id="rId2"/>
     <p:sldId id="257" r:id="rId3"/>
-    <p:sldId id="258" r:id="rId4"/>
-    <p:sldId id="259" r:id="rId5"/>
+    <p:sldId id="260" r:id="rId4"/>
+    <p:sldId id="258" r:id="rId5"/>
+    <p:sldId id="259" r:id="rId6"/>
+    <p:sldId id="261" r:id="rId7"/>
+    <p:sldId id="262" r:id="rId8"/>
   </p:sldIdLst>
   <p:sldSz cx="9144000" cy="6858000" type="screen4x3"/>
   <p:notesSz cx="6858000" cy="9144000"/>
@@ -292,7 +295,7 @@
             <a:fld id="{A1C711D4-709A-D04F-858A-FFC0AF0E6255}" type="datetimeFigureOut">
               <a:rPr lang="en-US" smtClean="0"/>
               <a:pPr/>
-              <a:t>12/6/09</a:t>
+              <a:t>12/8/09</a:t>
             </a:fld>
             <a:endParaRPr lang="en-US"/>
           </a:p>
@@ -459,7 +462,7 @@
             <a:fld id="{A1C711D4-709A-D04F-858A-FFC0AF0E6255}" type="datetimeFigureOut">
               <a:rPr lang="en-US" smtClean="0"/>
               <a:pPr/>
-              <a:t>12/6/09</a:t>
+              <a:t>12/8/09</a:t>
             </a:fld>
             <a:endParaRPr lang="en-US"/>
           </a:p>
@@ -636,7 +639,7 @@
             <a:fld id="{A1C711D4-709A-D04F-858A-FFC0AF0E6255}" type="datetimeFigureOut">
               <a:rPr lang="en-US" smtClean="0"/>
               <a:pPr/>
-              <a:t>12/6/09</a:t>
+              <a:t>12/8/09</a:t>
             </a:fld>
             <a:endParaRPr lang="en-US"/>
           </a:p>
@@ -803,7 +806,7 @@
             <a:fld id="{A1C711D4-709A-D04F-858A-FFC0AF0E6255}" type="datetimeFigureOut">
               <a:rPr lang="en-US" smtClean="0"/>
               <a:pPr/>
-              <a:t>12/6/09</a:t>
+              <a:t>12/8/09</a:t>
             </a:fld>
             <a:endParaRPr lang="en-US"/>
           </a:p>
@@ -1046,7 +1049,7 @@
             <a:fld id="{A1C711D4-709A-D04F-858A-FFC0AF0E6255}" type="datetimeFigureOut">
               <a:rPr lang="en-US" smtClean="0"/>
               <a:pPr/>
-              <a:t>12/6/09</a:t>
+              <a:t>12/8/09</a:t>
             </a:fld>
             <a:endParaRPr lang="en-US"/>
           </a:p>
@@ -1331,7 +1334,7 @@
             <a:fld id="{A1C711D4-709A-D04F-858A-FFC0AF0E6255}" type="datetimeFigureOut">
               <a:rPr lang="en-US" smtClean="0"/>
               <a:pPr/>
-              <a:t>12/6/09</a:t>
+              <a:t>12/8/09</a:t>
             </a:fld>
             <a:endParaRPr lang="en-US"/>
           </a:p>
@@ -1750,7 +1753,7 @@
             <a:fld id="{A1C711D4-709A-D04F-858A-FFC0AF0E6255}" type="datetimeFigureOut">
               <a:rPr lang="en-US" smtClean="0"/>
               <a:pPr/>
-              <a:t>12/6/09</a:t>
+              <a:t>12/8/09</a:t>
             </a:fld>
             <a:endParaRPr lang="en-US"/>
           </a:p>
@@ -1865,7 +1868,7 @@
             <a:fld id="{A1C711D4-709A-D04F-858A-FFC0AF0E6255}" type="datetimeFigureOut">
               <a:rPr lang="en-US" smtClean="0"/>
               <a:pPr/>
-              <a:t>12/6/09</a:t>
+              <a:t>12/8/09</a:t>
             </a:fld>
             <a:endParaRPr lang="en-US"/>
           </a:p>
@@ -1957,7 +1960,7 @@
             <a:fld id="{A1C711D4-709A-D04F-858A-FFC0AF0E6255}" type="datetimeFigureOut">
               <a:rPr lang="en-US" smtClean="0"/>
               <a:pPr/>
-              <a:t>12/6/09</a:t>
+              <a:t>12/8/09</a:t>
             </a:fld>
             <a:endParaRPr lang="en-US"/>
           </a:p>
@@ -2231,7 +2234,7 @@
             <a:fld id="{A1C711D4-709A-D04F-858A-FFC0AF0E6255}" type="datetimeFigureOut">
               <a:rPr lang="en-US" smtClean="0"/>
               <a:pPr/>
-              <a:t>12/6/09</a:t>
+              <a:t>12/8/09</a:t>
             </a:fld>
             <a:endParaRPr lang="en-US"/>
           </a:p>
@@ -2481,7 +2484,7 @@
             <a:fld id="{A1C711D4-709A-D04F-858A-FFC0AF0E6255}" type="datetimeFigureOut">
               <a:rPr lang="en-US" smtClean="0"/>
               <a:pPr/>
-              <a:t>12/6/09</a:t>
+              <a:t>12/8/09</a:t>
             </a:fld>
             <a:endParaRPr lang="en-US"/>
           </a:p>
@@ -2691,7 +2694,7 @@
             <a:fld id="{A1C711D4-709A-D04F-858A-FFC0AF0E6255}" type="datetimeFigureOut">
               <a:rPr lang="en-US" smtClean="0"/>
               <a:pPr/>
-              <a:t>12/6/09</a:t>
+              <a:t>12/8/09</a:t>
             </a:fld>
             <a:endParaRPr lang="en-US"/>
           </a:p>
@@ -3294,7 +3297,7 @@
           <a:p>
             <a:r>
               <a:rPr lang="en-US" dirty="0" smtClean="0"/>
-              <a:t>Accelerometer</a:t>
+              <a:t>Feature Extraction</a:t>
             </a:r>
             <a:endParaRPr lang="en-US" dirty="0"/>
           </a:p>
@@ -3302,7 +3305,7 @@
       </p:sp>
       <p:sp>
         <p:nvSpPr>
-          <p:cNvPr id="5" name="Content Placeholder 4"/>
+          <p:cNvPr id="3" name="Content Placeholder 2"/>
           <p:cNvSpPr>
             <a:spLocks noGrp="1"/>
           </p:cNvSpPr>
@@ -3315,7 +3318,23 @@
           <a:bodyPr/>
           <a:lstStyle/>
           <a:p>
-            <a:endParaRPr lang="en-US"/>
+            <a:r>
+              <a:rPr lang="en-US" dirty="0" smtClean="0"/>
+              <a:t>Segmentation</a:t>
+            </a:r>
+          </a:p>
+          <a:p>
+            <a:r>
+              <a:rPr lang="en-US" dirty="0" smtClean="0"/>
+              <a:t>Feature</a:t>
+            </a:r>
+          </a:p>
+          <a:p>
+            <a:r>
+              <a:rPr lang="en-US" dirty="0" smtClean="0"/>
+              <a:t>Data Processing</a:t>
+            </a:r>
+            <a:endParaRPr lang="en-US" dirty="0"/>
           </a:p>
         </p:txBody>
       </p:sp>
@@ -3359,7 +3378,11 @@
           <a:bodyPr/>
           <a:lstStyle/>
           <a:p>
-            <a:endParaRPr lang="en-US"/>
+            <a:r>
+              <a:rPr lang="en-US" dirty="0" smtClean="0"/>
+              <a:t>Accelerometer</a:t>
+            </a:r>
+            <a:endParaRPr lang="en-US" dirty="0"/>
           </a:p>
         </p:txBody>
       </p:sp>
@@ -3379,6 +3402,334 @@
           <a:lstStyle/>
           <a:p>
             <a:endParaRPr lang="en-US"/>
+          </a:p>
+        </p:txBody>
+      </p:sp>
+    </p:spTree>
+  </p:cSld>
+  <p:clrMapOvr>
+    <a:masterClrMapping/>
+  </p:clrMapOvr>
+</p:sld>
+</file>
+
+<file path=ppt/slides/slide5.xml><?xml version="1.0" encoding="utf-8"?>
+<p:sld xmlns:a="http://schemas.openxmlformats.org/drawingml/2006/main" xmlns:r="http://schemas.openxmlformats.org/officeDocument/2006/relationships" xmlns:mc="http://schemas.openxmlformats.org/markup-compatibility/2006" xmlns:mv="urn:schemas-microsoft-com:mac:vml" xmlns:p="http://schemas.openxmlformats.org/presentationml/2006/main" mc:Ignorable="mv" mc:PreserveAttributes="mv:*">
+  <p:cSld>
+    <p:spTree>
+      <p:nvGrpSpPr>
+        <p:cNvPr id="1" name=""/>
+        <p:cNvGrpSpPr/>
+        <p:nvPr/>
+      </p:nvGrpSpPr>
+      <p:grpSpPr>
+        <a:xfrm>
+          <a:off x="0" y="0"/>
+          <a:ext cx="0" cy="0"/>
+          <a:chOff x="0" y="0"/>
+          <a:chExt cx="0" cy="0"/>
+        </a:xfrm>
+      </p:grpSpPr>
+      <p:sp>
+        <p:nvSpPr>
+          <p:cNvPr id="2" name="Title 1"/>
+          <p:cNvSpPr>
+            <a:spLocks noGrp="1"/>
+          </p:cNvSpPr>
+          <p:nvPr>
+            <p:ph type="title"/>
+          </p:nvPr>
+        </p:nvSpPr>
+        <p:spPr/>
+        <p:txBody>
+          <a:bodyPr/>
+          <a:lstStyle/>
+          <a:p>
+            <a:r>
+              <a:rPr lang="en-US" dirty="0" smtClean="0"/>
+              <a:t>Orientation </a:t>
+            </a:r>
+            <a:r>
+              <a:rPr lang="en-US" dirty="0" smtClean="0"/>
+              <a:t>Sensor</a:t>
+            </a:r>
+            <a:endParaRPr lang="en-US" dirty="0"/>
+          </a:p>
+        </p:txBody>
+      </p:sp>
+      <p:sp>
+        <p:nvSpPr>
+          <p:cNvPr id="5" name="Content Placeholder 4"/>
+          <p:cNvSpPr>
+            <a:spLocks noGrp="1"/>
+          </p:cNvSpPr>
+          <p:nvPr>
+            <p:ph idx="1"/>
+          </p:nvPr>
+        </p:nvSpPr>
+        <p:spPr/>
+        <p:txBody>
+          <a:bodyPr/>
+          <a:lstStyle/>
+          <a:p>
+            <a:endParaRPr lang="en-US" dirty="0"/>
+          </a:p>
+        </p:txBody>
+      </p:sp>
+      <p:pic>
+        <p:nvPicPr>
+          <p:cNvPr id="4" name="Picture 3"/>
+          <p:cNvPicPr>
+            <a:picLocks noChangeAspect="1"/>
+          </p:cNvPicPr>
+          <p:nvPr/>
+        </p:nvPicPr>
+        <p:blipFill>
+          <a:blip r:embed="rId2"/>
+          <a:stretch>
+            <a:fillRect/>
+          </a:stretch>
+        </p:blipFill>
+        <p:spPr>
+          <a:xfrm>
+            <a:off x="538252" y="1333054"/>
+            <a:ext cx="4262924" cy="2737506"/>
+          </a:xfrm>
+          <a:prstGeom prst="rect">
+            <a:avLst/>
+          </a:prstGeom>
+        </p:spPr>
+      </p:pic>
+      <p:pic>
+        <p:nvPicPr>
+          <p:cNvPr id="6" name="Picture 5"/>
+          <p:cNvPicPr>
+            <a:picLocks noChangeAspect="1"/>
+          </p:cNvPicPr>
+          <p:nvPr/>
+        </p:nvPicPr>
+        <p:blipFill>
+          <a:blip r:embed="rId3"/>
+          <a:stretch>
+            <a:fillRect/>
+          </a:stretch>
+        </p:blipFill>
+        <p:spPr>
+          <a:xfrm>
+            <a:off x="4465710" y="1302708"/>
+            <a:ext cx="4221090" cy="2710642"/>
+          </a:xfrm>
+          <a:prstGeom prst="rect">
+            <a:avLst/>
+          </a:prstGeom>
+        </p:spPr>
+      </p:pic>
+      <p:pic>
+        <p:nvPicPr>
+          <p:cNvPr id="7" name="Picture 6"/>
+          <p:cNvPicPr>
+            <a:picLocks noChangeAspect="1"/>
+          </p:cNvPicPr>
+          <p:nvPr/>
+        </p:nvPicPr>
+        <p:blipFill>
+          <a:blip r:embed="rId4"/>
+          <a:stretch>
+            <a:fillRect/>
+          </a:stretch>
+        </p:blipFill>
+        <p:spPr>
+          <a:xfrm>
+            <a:off x="2292241" y="4070560"/>
+            <a:ext cx="4346937" cy="2791457"/>
+          </a:xfrm>
+          <a:prstGeom prst="rect">
+            <a:avLst/>
+          </a:prstGeom>
+        </p:spPr>
+      </p:pic>
+    </p:spTree>
+  </p:cSld>
+  <p:clrMapOvr>
+    <a:masterClrMapping/>
+  </p:clrMapOvr>
+</p:sld>
+</file>
+
+<file path=ppt/slides/slide6.xml><?xml version="1.0" encoding="utf-8"?>
+<p:sld xmlns:a="http://schemas.openxmlformats.org/drawingml/2006/main" xmlns:r="http://schemas.openxmlformats.org/officeDocument/2006/relationships" xmlns:mc="http://schemas.openxmlformats.org/markup-compatibility/2006" xmlns:mv="urn:schemas-microsoft-com:mac:vml" xmlns:p="http://schemas.openxmlformats.org/presentationml/2006/main" mc:Ignorable="mv" mc:PreserveAttributes="mv:*">
+  <p:cSld>
+    <p:spTree>
+      <p:nvGrpSpPr>
+        <p:cNvPr id="1" name=""/>
+        <p:cNvGrpSpPr/>
+        <p:nvPr/>
+      </p:nvGrpSpPr>
+      <p:grpSpPr>
+        <a:xfrm>
+          <a:off x="0" y="0"/>
+          <a:ext cx="0" cy="0"/>
+          <a:chOff x="0" y="0"/>
+          <a:chExt cx="0" cy="0"/>
+        </a:xfrm>
+      </p:grpSpPr>
+      <p:sp>
+        <p:nvSpPr>
+          <p:cNvPr id="2" name="Title 1"/>
+          <p:cNvSpPr>
+            <a:spLocks noGrp="1"/>
+          </p:cNvSpPr>
+          <p:nvPr>
+            <p:ph type="title"/>
+          </p:nvPr>
+        </p:nvSpPr>
+        <p:spPr/>
+        <p:txBody>
+          <a:bodyPr/>
+          <a:lstStyle/>
+          <a:p>
+            <a:r>
+              <a:rPr lang="en-US" dirty="0" smtClean="0"/>
+              <a:t>Training &amp; Testing</a:t>
+            </a:r>
+            <a:endParaRPr lang="en-US" dirty="0"/>
+          </a:p>
+        </p:txBody>
+      </p:sp>
+      <p:sp>
+        <p:nvSpPr>
+          <p:cNvPr id="3" name="Content Placeholder 2"/>
+          <p:cNvSpPr>
+            <a:spLocks noGrp="1"/>
+          </p:cNvSpPr>
+          <p:nvPr>
+            <p:ph idx="1"/>
+          </p:nvPr>
+        </p:nvSpPr>
+        <p:spPr/>
+        <p:txBody>
+          <a:bodyPr/>
+          <a:lstStyle/>
+          <a:p>
+            <a:r>
+              <a:rPr lang="en-US" dirty="0" smtClean="0"/>
+              <a:t>Training</a:t>
+            </a:r>
+          </a:p>
+          <a:p>
+            <a:pPr lvl="1"/>
+            <a:r>
+              <a:rPr lang="en-US" dirty="0" smtClean="0"/>
+              <a:t>SVM Linear Kernel </a:t>
+            </a:r>
+          </a:p>
+          <a:p>
+            <a:pPr lvl="2"/>
+            <a:r>
+              <a:rPr lang="en-US" dirty="0" smtClean="0"/>
+              <a:t>L1 </a:t>
+            </a:r>
+            <a:r>
+              <a:rPr lang="en-US" smtClean="0"/>
+              <a:t>soft margin </a:t>
+            </a:r>
+          </a:p>
+          <a:p>
+            <a:pPr lvl="1"/>
+            <a:r>
+              <a:rPr lang="en-US" dirty="0" smtClean="0"/>
+              <a:t>Leave-one-out</a:t>
+            </a:r>
+          </a:p>
+          <a:p>
+            <a:r>
+              <a:rPr lang="en-US" dirty="0" smtClean="0"/>
+              <a:t>Testing</a:t>
+            </a:r>
+          </a:p>
+          <a:p>
+            <a:pPr lvl="1"/>
+            <a:r>
+              <a:rPr lang="en-US" dirty="0" smtClean="0"/>
+              <a:t>Test on the sample left out</a:t>
+            </a:r>
+          </a:p>
+          <a:p>
+            <a:endParaRPr lang="en-US" dirty="0" smtClean="0"/>
+          </a:p>
+          <a:p>
+            <a:endParaRPr lang="en-US" dirty="0"/>
+          </a:p>
+        </p:txBody>
+      </p:sp>
+    </p:spTree>
+  </p:cSld>
+  <p:clrMapOvr>
+    <a:masterClrMapping/>
+  </p:clrMapOvr>
+</p:sld>
+</file>
+
+<file path=ppt/slides/slide7.xml><?xml version="1.0" encoding="utf-8"?>
+<p:sld xmlns:a="http://schemas.openxmlformats.org/drawingml/2006/main" xmlns:r="http://schemas.openxmlformats.org/officeDocument/2006/relationships" xmlns:mc="http://schemas.openxmlformats.org/markup-compatibility/2006" xmlns:mv="urn:schemas-microsoft-com:mac:vml" xmlns:p="http://schemas.openxmlformats.org/presentationml/2006/main" mc:Ignorable="mv" mc:PreserveAttributes="mv:*">
+  <p:cSld>
+    <p:spTree>
+      <p:nvGrpSpPr>
+        <p:cNvPr id="1" name=""/>
+        <p:cNvGrpSpPr/>
+        <p:nvPr/>
+      </p:nvGrpSpPr>
+      <p:grpSpPr>
+        <a:xfrm>
+          <a:off x="0" y="0"/>
+          <a:ext cx="0" cy="0"/>
+          <a:chOff x="0" y="0"/>
+          <a:chExt cx="0" cy="0"/>
+        </a:xfrm>
+      </p:grpSpPr>
+      <p:sp>
+        <p:nvSpPr>
+          <p:cNvPr id="2" name="Title 1"/>
+          <p:cNvSpPr>
+            <a:spLocks noGrp="1"/>
+          </p:cNvSpPr>
+          <p:nvPr>
+            <p:ph type="title"/>
+          </p:nvPr>
+        </p:nvSpPr>
+        <p:spPr/>
+        <p:txBody>
+          <a:bodyPr/>
+          <a:lstStyle/>
+          <a:p>
+            <a:r>
+              <a:rPr lang="en-US" dirty="0" smtClean="0"/>
+              <a:t>Results</a:t>
+            </a:r>
+            <a:endParaRPr lang="en-US" dirty="0"/>
+          </a:p>
+        </p:txBody>
+      </p:sp>
+      <p:sp>
+        <p:nvSpPr>
+          <p:cNvPr id="3" name="Content Placeholder 2"/>
+          <p:cNvSpPr>
+            <a:spLocks noGrp="1"/>
+          </p:cNvSpPr>
+          <p:nvPr>
+            <p:ph idx="1"/>
+          </p:nvPr>
+        </p:nvSpPr>
+        <p:spPr/>
+        <p:txBody>
+          <a:bodyPr/>
+          <a:lstStyle/>
+          <a:p>
+            <a:r>
+              <a:rPr lang="en-US" dirty="0" smtClean="0"/>
+              <a:t>Error Rate</a:t>
+            </a:r>
+            <a:endParaRPr lang="en-US" dirty="0"/>
           </a:p>
         </p:txBody>
       </p:sp>

--- a/matlab/movisign.pptx
+++ b/matlab/movisign.pptx
@@ -1,6 +1,6 @@
 
 <file path=ppt/presentation.xml><?xml version="1.0" encoding="utf-8"?>
-<p:presentation xmlns:a="http://schemas.openxmlformats.org/drawingml/2006/main" xmlns:r="http://schemas.openxmlformats.org/officeDocument/2006/relationships" xmlns:mc="http://schemas.openxmlformats.org/markup-compatibility/2006" xmlns:mv="urn:schemas-microsoft-com:mac:vml" xmlns:p="http://schemas.openxmlformats.org/presentationml/2006/main" mc:Ignorable="mv" mc:PreserveAttributes="mv:*" saveSubsetFonts="1" autoCompressPictures="0">
+<p:presentation xmlns:a="http://schemas.openxmlformats.org/drawingml/2006/main" xmlns:r="http://schemas.openxmlformats.org/officeDocument/2006/relationships" xmlns:p="http://schemas.openxmlformats.org/presentationml/2006/main" saveSubsetFonts="1" autoCompressPictures="0">
   <p:sldMasterIdLst>
     <p:sldMasterId id="2147483648" r:id="rId1"/>
   </p:sldMasterIdLst>
@@ -8,10 +8,10 @@
     <p:sldId id="256" r:id="rId2"/>
     <p:sldId id="257" r:id="rId3"/>
     <p:sldId id="260" r:id="rId4"/>
-    <p:sldId id="258" r:id="rId5"/>
-    <p:sldId id="259" r:id="rId6"/>
-    <p:sldId id="261" r:id="rId7"/>
-    <p:sldId id="262" r:id="rId8"/>
+    <p:sldId id="259" r:id="rId5"/>
+    <p:sldId id="261" r:id="rId6"/>
+    <p:sldId id="262" r:id="rId7"/>
+    <p:sldId id="263" r:id="rId8"/>
   </p:sldIdLst>
   <p:sldSz cx="9144000" cy="6858000" type="screen4x3"/>
   <p:notesSz cx="6858000" cy="9144000"/>
@@ -114,7 +114,7 @@
 </file>
 
 <file path=ppt/slideLayouts/slideLayout1.xml><?xml version="1.0" encoding="utf-8"?>
-<p:sldLayout xmlns:a="http://schemas.openxmlformats.org/drawingml/2006/main" xmlns:r="http://schemas.openxmlformats.org/officeDocument/2006/relationships" xmlns:mc="http://schemas.openxmlformats.org/markup-compatibility/2006" xmlns:mv="urn:schemas-microsoft-com:mac:vml" xmlns:p="http://schemas.openxmlformats.org/presentationml/2006/main" mc:Ignorable="mv" mc:PreserveAttributes="mv:*" type="title" preserve="1">
+<p:sldLayout xmlns:a="http://schemas.openxmlformats.org/drawingml/2006/main" xmlns:r="http://schemas.openxmlformats.org/officeDocument/2006/relationships" xmlns:p="http://schemas.openxmlformats.org/presentationml/2006/main" type="title" preserve="1">
   <p:cSld name="Title Slide">
     <p:spTree>
       <p:nvGrpSpPr>
@@ -295,7 +295,7 @@
             <a:fld id="{A1C711D4-709A-D04F-858A-FFC0AF0E6255}" type="datetimeFigureOut">
               <a:rPr lang="en-US" smtClean="0"/>
               <a:pPr/>
-              <a:t>12/8/09</a:t>
+              <a:t>12/9/2009</a:t>
             </a:fld>
             <a:endParaRPr lang="en-US"/>
           </a:p>
@@ -353,7 +353,7 @@
 </file>
 
 <file path=ppt/slideLayouts/slideLayout10.xml><?xml version="1.0" encoding="utf-8"?>
-<p:sldLayout xmlns:a="http://schemas.openxmlformats.org/drawingml/2006/main" xmlns:r="http://schemas.openxmlformats.org/officeDocument/2006/relationships" xmlns:mc="http://schemas.openxmlformats.org/markup-compatibility/2006" xmlns:mv="urn:schemas-microsoft-com:mac:vml" xmlns:p="http://schemas.openxmlformats.org/presentationml/2006/main" mc:Ignorable="mv" mc:PreserveAttributes="mv:*" type="vertTx" preserve="1">
+<p:sldLayout xmlns:a="http://schemas.openxmlformats.org/drawingml/2006/main" xmlns:r="http://schemas.openxmlformats.org/officeDocument/2006/relationships" xmlns:p="http://schemas.openxmlformats.org/presentationml/2006/main" type="vertTx" preserve="1">
   <p:cSld name="Title and Vertical Text">
     <p:spTree>
       <p:nvGrpSpPr>
@@ -462,7 +462,7 @@
             <a:fld id="{A1C711D4-709A-D04F-858A-FFC0AF0E6255}" type="datetimeFigureOut">
               <a:rPr lang="en-US" smtClean="0"/>
               <a:pPr/>
-              <a:t>12/8/09</a:t>
+              <a:t>12/9/2009</a:t>
             </a:fld>
             <a:endParaRPr lang="en-US"/>
           </a:p>
@@ -520,7 +520,7 @@
 </file>
 
 <file path=ppt/slideLayouts/slideLayout11.xml><?xml version="1.0" encoding="utf-8"?>
-<p:sldLayout xmlns:a="http://schemas.openxmlformats.org/drawingml/2006/main" xmlns:r="http://schemas.openxmlformats.org/officeDocument/2006/relationships" xmlns:mc="http://schemas.openxmlformats.org/markup-compatibility/2006" xmlns:mv="urn:schemas-microsoft-com:mac:vml" xmlns:p="http://schemas.openxmlformats.org/presentationml/2006/main" mc:Ignorable="mv" mc:PreserveAttributes="mv:*" type="vertTitleAndTx" preserve="1">
+<p:sldLayout xmlns:a="http://schemas.openxmlformats.org/drawingml/2006/main" xmlns:r="http://schemas.openxmlformats.org/officeDocument/2006/relationships" xmlns:p="http://schemas.openxmlformats.org/presentationml/2006/main" type="vertTitleAndTx" preserve="1">
   <p:cSld name="Vertical Title and Text">
     <p:spTree>
       <p:nvGrpSpPr>
@@ -639,7 +639,7 @@
             <a:fld id="{A1C711D4-709A-D04F-858A-FFC0AF0E6255}" type="datetimeFigureOut">
               <a:rPr lang="en-US" smtClean="0"/>
               <a:pPr/>
-              <a:t>12/8/09</a:t>
+              <a:t>12/9/2009</a:t>
             </a:fld>
             <a:endParaRPr lang="en-US"/>
           </a:p>
@@ -697,7 +697,7 @@
 </file>
 
 <file path=ppt/slideLayouts/slideLayout2.xml><?xml version="1.0" encoding="utf-8"?>
-<p:sldLayout xmlns:a="http://schemas.openxmlformats.org/drawingml/2006/main" xmlns:r="http://schemas.openxmlformats.org/officeDocument/2006/relationships" xmlns:mc="http://schemas.openxmlformats.org/markup-compatibility/2006" xmlns:mv="urn:schemas-microsoft-com:mac:vml" xmlns:p="http://schemas.openxmlformats.org/presentationml/2006/main" mc:Ignorable="mv" mc:PreserveAttributes="mv:*" type="obj" preserve="1">
+<p:sldLayout xmlns:a="http://schemas.openxmlformats.org/drawingml/2006/main" xmlns:r="http://schemas.openxmlformats.org/officeDocument/2006/relationships" xmlns:p="http://schemas.openxmlformats.org/presentationml/2006/main" type="obj" preserve="1">
   <p:cSld name="Title and Content">
     <p:spTree>
       <p:nvGrpSpPr>
@@ -806,7 +806,7 @@
             <a:fld id="{A1C711D4-709A-D04F-858A-FFC0AF0E6255}" type="datetimeFigureOut">
               <a:rPr lang="en-US" smtClean="0"/>
               <a:pPr/>
-              <a:t>12/8/09</a:t>
+              <a:t>12/9/2009</a:t>
             </a:fld>
             <a:endParaRPr lang="en-US"/>
           </a:p>
@@ -864,7 +864,7 @@
 </file>
 
 <file path=ppt/slideLayouts/slideLayout3.xml><?xml version="1.0" encoding="utf-8"?>
-<p:sldLayout xmlns:a="http://schemas.openxmlformats.org/drawingml/2006/main" xmlns:r="http://schemas.openxmlformats.org/officeDocument/2006/relationships" xmlns:mc="http://schemas.openxmlformats.org/markup-compatibility/2006" xmlns:mv="urn:schemas-microsoft-com:mac:vml" xmlns:p="http://schemas.openxmlformats.org/presentationml/2006/main" mc:Ignorable="mv" mc:PreserveAttributes="mv:*" type="secHead" preserve="1">
+<p:sldLayout xmlns:a="http://schemas.openxmlformats.org/drawingml/2006/main" xmlns:r="http://schemas.openxmlformats.org/officeDocument/2006/relationships" xmlns:p="http://schemas.openxmlformats.org/presentationml/2006/main" type="secHead" preserve="1">
   <p:cSld name="Section Header">
     <p:spTree>
       <p:nvGrpSpPr>
@@ -1049,7 +1049,7 @@
             <a:fld id="{A1C711D4-709A-D04F-858A-FFC0AF0E6255}" type="datetimeFigureOut">
               <a:rPr lang="en-US" smtClean="0"/>
               <a:pPr/>
-              <a:t>12/8/09</a:t>
+              <a:t>12/9/2009</a:t>
             </a:fld>
             <a:endParaRPr lang="en-US"/>
           </a:p>
@@ -1107,7 +1107,7 @@
 </file>
 
 <file path=ppt/slideLayouts/slideLayout4.xml><?xml version="1.0" encoding="utf-8"?>
-<p:sldLayout xmlns:a="http://schemas.openxmlformats.org/drawingml/2006/main" xmlns:r="http://schemas.openxmlformats.org/officeDocument/2006/relationships" xmlns:mc="http://schemas.openxmlformats.org/markup-compatibility/2006" xmlns:mv="urn:schemas-microsoft-com:mac:vml" xmlns:p="http://schemas.openxmlformats.org/presentationml/2006/main" mc:Ignorable="mv" mc:PreserveAttributes="mv:*" type="twoObj" preserve="1">
+<p:sldLayout xmlns:a="http://schemas.openxmlformats.org/drawingml/2006/main" xmlns:r="http://schemas.openxmlformats.org/officeDocument/2006/relationships" xmlns:p="http://schemas.openxmlformats.org/presentationml/2006/main" type="twoObj" preserve="1">
   <p:cSld name="Two Content">
     <p:spTree>
       <p:nvGrpSpPr>
@@ -1334,7 +1334,7 @@
             <a:fld id="{A1C711D4-709A-D04F-858A-FFC0AF0E6255}" type="datetimeFigureOut">
               <a:rPr lang="en-US" smtClean="0"/>
               <a:pPr/>
-              <a:t>12/8/09</a:t>
+              <a:t>12/9/2009</a:t>
             </a:fld>
             <a:endParaRPr lang="en-US"/>
           </a:p>
@@ -1392,7 +1392,7 @@
 </file>
 
 <file path=ppt/slideLayouts/slideLayout5.xml><?xml version="1.0" encoding="utf-8"?>
-<p:sldLayout xmlns:a="http://schemas.openxmlformats.org/drawingml/2006/main" xmlns:r="http://schemas.openxmlformats.org/officeDocument/2006/relationships" xmlns:mc="http://schemas.openxmlformats.org/markup-compatibility/2006" xmlns:mv="urn:schemas-microsoft-com:mac:vml" xmlns:p="http://schemas.openxmlformats.org/presentationml/2006/main" mc:Ignorable="mv" mc:PreserveAttributes="mv:*" type="twoTxTwoObj" preserve="1">
+<p:sldLayout xmlns:a="http://schemas.openxmlformats.org/drawingml/2006/main" xmlns:r="http://schemas.openxmlformats.org/officeDocument/2006/relationships" xmlns:p="http://schemas.openxmlformats.org/presentationml/2006/main" type="twoTxTwoObj" preserve="1">
   <p:cSld name="Comparison">
     <p:spTree>
       <p:nvGrpSpPr>
@@ -1753,7 +1753,7 @@
             <a:fld id="{A1C711D4-709A-D04F-858A-FFC0AF0E6255}" type="datetimeFigureOut">
               <a:rPr lang="en-US" smtClean="0"/>
               <a:pPr/>
-              <a:t>12/8/09</a:t>
+              <a:t>12/9/2009</a:t>
             </a:fld>
             <a:endParaRPr lang="en-US"/>
           </a:p>
@@ -1811,7 +1811,7 @@
 </file>
 
 <file path=ppt/slideLayouts/slideLayout6.xml><?xml version="1.0" encoding="utf-8"?>
-<p:sldLayout xmlns:a="http://schemas.openxmlformats.org/drawingml/2006/main" xmlns:r="http://schemas.openxmlformats.org/officeDocument/2006/relationships" xmlns:mc="http://schemas.openxmlformats.org/markup-compatibility/2006" xmlns:mv="urn:schemas-microsoft-com:mac:vml" xmlns:p="http://schemas.openxmlformats.org/presentationml/2006/main" mc:Ignorable="mv" mc:PreserveAttributes="mv:*" type="titleOnly" preserve="1">
+<p:sldLayout xmlns:a="http://schemas.openxmlformats.org/drawingml/2006/main" xmlns:r="http://schemas.openxmlformats.org/officeDocument/2006/relationships" xmlns:p="http://schemas.openxmlformats.org/presentationml/2006/main" type="titleOnly" preserve="1">
   <p:cSld name="Title Only">
     <p:spTree>
       <p:nvGrpSpPr>
@@ -1868,7 +1868,7 @@
             <a:fld id="{A1C711D4-709A-D04F-858A-FFC0AF0E6255}" type="datetimeFigureOut">
               <a:rPr lang="en-US" smtClean="0"/>
               <a:pPr/>
-              <a:t>12/8/09</a:t>
+              <a:t>12/9/2009</a:t>
             </a:fld>
             <a:endParaRPr lang="en-US"/>
           </a:p>
@@ -1926,7 +1926,7 @@
 </file>
 
 <file path=ppt/slideLayouts/slideLayout7.xml><?xml version="1.0" encoding="utf-8"?>
-<p:sldLayout xmlns:a="http://schemas.openxmlformats.org/drawingml/2006/main" xmlns:r="http://schemas.openxmlformats.org/officeDocument/2006/relationships" xmlns:mc="http://schemas.openxmlformats.org/markup-compatibility/2006" xmlns:mv="urn:schemas-microsoft-com:mac:vml" xmlns:p="http://schemas.openxmlformats.org/presentationml/2006/main" mc:Ignorable="mv" mc:PreserveAttributes="mv:*" type="blank" preserve="1">
+<p:sldLayout xmlns:a="http://schemas.openxmlformats.org/drawingml/2006/main" xmlns:r="http://schemas.openxmlformats.org/officeDocument/2006/relationships" xmlns:p="http://schemas.openxmlformats.org/presentationml/2006/main" type="blank" preserve="1">
   <p:cSld name="Blank">
     <p:spTree>
       <p:nvGrpSpPr>
@@ -1960,7 +1960,7 @@
             <a:fld id="{A1C711D4-709A-D04F-858A-FFC0AF0E6255}" type="datetimeFigureOut">
               <a:rPr lang="en-US" smtClean="0"/>
               <a:pPr/>
-              <a:t>12/8/09</a:t>
+              <a:t>12/9/2009</a:t>
             </a:fld>
             <a:endParaRPr lang="en-US"/>
           </a:p>
@@ -2018,7 +2018,7 @@
 </file>
 
 <file path=ppt/slideLayouts/slideLayout8.xml><?xml version="1.0" encoding="utf-8"?>
-<p:sldLayout xmlns:a="http://schemas.openxmlformats.org/drawingml/2006/main" xmlns:r="http://schemas.openxmlformats.org/officeDocument/2006/relationships" xmlns:mc="http://schemas.openxmlformats.org/markup-compatibility/2006" xmlns:mv="urn:schemas-microsoft-com:mac:vml" xmlns:p="http://schemas.openxmlformats.org/presentationml/2006/main" mc:Ignorable="mv" mc:PreserveAttributes="mv:*" type="objTx" preserve="1">
+<p:sldLayout xmlns:a="http://schemas.openxmlformats.org/drawingml/2006/main" xmlns:r="http://schemas.openxmlformats.org/officeDocument/2006/relationships" xmlns:p="http://schemas.openxmlformats.org/presentationml/2006/main" type="objTx" preserve="1">
   <p:cSld name="Content with Caption">
     <p:spTree>
       <p:nvGrpSpPr>
@@ -2234,7 +2234,7 @@
             <a:fld id="{A1C711D4-709A-D04F-858A-FFC0AF0E6255}" type="datetimeFigureOut">
               <a:rPr lang="en-US" smtClean="0"/>
               <a:pPr/>
-              <a:t>12/8/09</a:t>
+              <a:t>12/9/2009</a:t>
             </a:fld>
             <a:endParaRPr lang="en-US"/>
           </a:p>
@@ -2292,7 +2292,7 @@
 </file>
 
 <file path=ppt/slideLayouts/slideLayout9.xml><?xml version="1.0" encoding="utf-8"?>
-<p:sldLayout xmlns:a="http://schemas.openxmlformats.org/drawingml/2006/main" xmlns:r="http://schemas.openxmlformats.org/officeDocument/2006/relationships" xmlns:mc="http://schemas.openxmlformats.org/markup-compatibility/2006" xmlns:mv="urn:schemas-microsoft-com:mac:vml" xmlns:p="http://schemas.openxmlformats.org/presentationml/2006/main" mc:Ignorable="mv" mc:PreserveAttributes="mv:*" type="picTx" preserve="1">
+<p:sldLayout xmlns:a="http://schemas.openxmlformats.org/drawingml/2006/main" xmlns:r="http://schemas.openxmlformats.org/officeDocument/2006/relationships" xmlns:p="http://schemas.openxmlformats.org/presentationml/2006/main" type="picTx" preserve="1">
   <p:cSld name="Picture with Caption">
     <p:spTree>
       <p:nvGrpSpPr>
@@ -2484,7 +2484,7 @@
             <a:fld id="{A1C711D4-709A-D04F-858A-FFC0AF0E6255}" type="datetimeFigureOut">
               <a:rPr lang="en-US" smtClean="0"/>
               <a:pPr/>
-              <a:t>12/8/09</a:t>
+              <a:t>12/9/2009</a:t>
             </a:fld>
             <a:endParaRPr lang="en-US"/>
           </a:p>
@@ -2542,7 +2542,7 @@
 </file>
 
 <file path=ppt/slideMasters/slideMaster1.xml><?xml version="1.0" encoding="utf-8"?>
-<p:sldMaster xmlns:a="http://schemas.openxmlformats.org/drawingml/2006/main" xmlns:r="http://schemas.openxmlformats.org/officeDocument/2006/relationships" xmlns:mc="http://schemas.openxmlformats.org/markup-compatibility/2006" xmlns:mv="urn:schemas-microsoft-com:mac:vml" xmlns:p="http://schemas.openxmlformats.org/presentationml/2006/main" mc:Ignorable="mv" mc:PreserveAttributes="mv:*">
+<p:sldMaster xmlns:a="http://schemas.openxmlformats.org/drawingml/2006/main" xmlns:r="http://schemas.openxmlformats.org/officeDocument/2006/relationships" xmlns:p="http://schemas.openxmlformats.org/presentationml/2006/main">
   <p:cSld>
     <p:bg>
       <p:bgRef idx="1001">
@@ -2694,7 +2694,7 @@
             <a:fld id="{A1C711D4-709A-D04F-858A-FFC0AF0E6255}" type="datetimeFigureOut">
               <a:rPr lang="en-US" smtClean="0"/>
               <a:pPr/>
-              <a:t>12/8/09</a:t>
+              <a:t>12/9/2009</a:t>
             </a:fld>
             <a:endParaRPr lang="en-US"/>
           </a:p>
@@ -3049,7 +3049,7 @@
 </file>
 
 <file path=ppt/slides/slide1.xml><?xml version="1.0" encoding="utf-8"?>
-<p:sld xmlns:a="http://schemas.openxmlformats.org/drawingml/2006/main" xmlns:r="http://schemas.openxmlformats.org/officeDocument/2006/relationships" xmlns:mc="http://schemas.openxmlformats.org/markup-compatibility/2006" xmlns:mv="urn:schemas-microsoft-com:mac:vml" xmlns:p="http://schemas.openxmlformats.org/presentationml/2006/main" mc:Ignorable="mv" mc:PreserveAttributes="mv:*">
+<p:sld xmlns:a="http://schemas.openxmlformats.org/drawingml/2006/main" xmlns:r="http://schemas.openxmlformats.org/officeDocument/2006/relationships" xmlns:p="http://schemas.openxmlformats.org/presentationml/2006/main">
   <p:cSld>
     <p:spTree>
       <p:nvGrpSpPr>
@@ -3142,7 +3142,7 @@
 </file>
 
 <file path=ppt/slides/slide2.xml><?xml version="1.0" encoding="utf-8"?>
-<p:sld xmlns:a="http://schemas.openxmlformats.org/drawingml/2006/main" xmlns:r="http://schemas.openxmlformats.org/officeDocument/2006/relationships" xmlns:mc="http://schemas.openxmlformats.org/markup-compatibility/2006" xmlns:mv="urn:schemas-microsoft-com:mac:vml" xmlns:p="http://schemas.openxmlformats.org/presentationml/2006/main" mc:Ignorable="mv" mc:PreserveAttributes="mv:*">
+<p:sld xmlns:a="http://schemas.openxmlformats.org/drawingml/2006/main" xmlns:r="http://schemas.openxmlformats.org/officeDocument/2006/relationships" xmlns:p="http://schemas.openxmlformats.org/presentationml/2006/main">
   <p:cSld>
     <p:spTree>
       <p:nvGrpSpPr>
@@ -3264,7 +3264,7 @@
 </file>
 
 <file path=ppt/slides/slide3.xml><?xml version="1.0" encoding="utf-8"?>
-<p:sld xmlns:a="http://schemas.openxmlformats.org/drawingml/2006/main" xmlns:r="http://schemas.openxmlformats.org/officeDocument/2006/relationships" xmlns:mc="http://schemas.openxmlformats.org/markup-compatibility/2006" xmlns:mv="urn:schemas-microsoft-com:mac:vml" xmlns:p="http://schemas.openxmlformats.org/presentationml/2006/main" mc:Ignorable="mv" mc:PreserveAttributes="mv:*">
+<p:sld xmlns:a="http://schemas.openxmlformats.org/drawingml/2006/main" xmlns:r="http://schemas.openxmlformats.org/officeDocument/2006/relationships" xmlns:p="http://schemas.openxmlformats.org/presentationml/2006/main">
   <p:cSld>
     <p:spTree>
       <p:nvGrpSpPr>
@@ -3320,8 +3320,50 @@
           <a:p>
             <a:r>
               <a:rPr lang="en-US" dirty="0" smtClean="0"/>
+              <a:t>Data </a:t>
+            </a:r>
+            <a:r>
+              <a:rPr lang="en-US" dirty="0" smtClean="0"/>
+              <a:t>Processing</a:t>
+            </a:r>
+            <a:endParaRPr lang="en-US" dirty="0" smtClean="0"/>
+          </a:p>
+          <a:p>
+            <a:r>
+              <a:rPr lang="en-US" dirty="0" smtClean="0"/>
               <a:t>Segmentation</a:t>
             </a:r>
+          </a:p>
+          <a:p>
+            <a:pPr>
+              <a:buNone/>
+            </a:pPr>
+            <a:r>
+              <a:rPr lang="en-US" dirty="0" smtClean="0"/>
+              <a:t>	</a:t>
+            </a:r>
+            <a:r>
+              <a:rPr lang="en-US" dirty="0" smtClean="0"/>
+              <a:t>- </a:t>
+            </a:r>
+            <a:r>
+              <a:rPr lang="en-US" sz="2800" dirty="0" smtClean="0"/>
+              <a:t>chop the data into s segments based on timestamp</a:t>
+            </a:r>
+          </a:p>
+          <a:p>
+            <a:pPr>
+              <a:buNone/>
+            </a:pPr>
+            <a:r>
+              <a:rPr lang="en-US" sz="2800" dirty="0" smtClean="0"/>
+              <a:t>	</a:t>
+            </a:r>
+            <a:r>
+              <a:rPr lang="en-US" sz="2800" dirty="0" smtClean="0"/>
+              <a:t>- s will be proportional to number of features</a:t>
+            </a:r>
+            <a:endParaRPr lang="en-US" sz="2800" dirty="0" smtClean="0"/>
           </a:p>
           <a:p>
             <a:r>
@@ -3330,11 +3372,43 @@
             </a:r>
           </a:p>
           <a:p>
+            <a:pPr>
+              <a:buNone/>
+            </a:pPr>
             <a:r>
               <a:rPr lang="en-US" dirty="0" smtClean="0"/>
-              <a:t>Data Processing</a:t>
-            </a:r>
-            <a:endParaRPr lang="en-US" dirty="0"/>
+              <a:t>	</a:t>
+            </a:r>
+            <a:r>
+              <a:rPr lang="en-US" dirty="0" smtClean="0"/>
+              <a:t>- </a:t>
+            </a:r>
+            <a:r>
+              <a:rPr lang="en-US" sz="2800" dirty="0" smtClean="0"/>
+              <a:t>use the mean of acceleration(in </a:t>
+            </a:r>
+            <a:r>
+              <a:rPr lang="en-US" sz="2800" dirty="0" err="1" smtClean="0"/>
+              <a:t>x,y,z</a:t>
+            </a:r>
+            <a:r>
+              <a:rPr lang="en-US" sz="2800" dirty="0" smtClean="0"/>
+              <a:t> directions) and orientation in each segment as features</a:t>
+            </a:r>
+          </a:p>
+          <a:p>
+            <a:pPr>
+              <a:buNone/>
+            </a:pPr>
+            <a:r>
+              <a:rPr lang="en-US" sz="2800" dirty="0" smtClean="0"/>
+              <a:t>	</a:t>
+            </a:r>
+            <a:r>
+              <a:rPr lang="en-US" sz="2800" dirty="0" smtClean="0"/>
+              <a:t>- 6 features extracted in each segment</a:t>
+            </a:r>
+            <a:endParaRPr lang="en-US" sz="2800" dirty="0" smtClean="0"/>
           </a:p>
         </p:txBody>
       </p:sp>
@@ -3347,7 +3421,7 @@
 </file>
 
 <file path=ppt/slides/slide4.xml><?xml version="1.0" encoding="utf-8"?>
-<p:sld xmlns:a="http://schemas.openxmlformats.org/drawingml/2006/main" xmlns:r="http://schemas.openxmlformats.org/officeDocument/2006/relationships" xmlns:mc="http://schemas.openxmlformats.org/markup-compatibility/2006" xmlns:mv="urn:schemas-microsoft-com:mac:vml" xmlns:p="http://schemas.openxmlformats.org/presentationml/2006/main" mc:Ignorable="mv" mc:PreserveAttributes="mv:*">
+<p:sld xmlns:a="http://schemas.openxmlformats.org/drawingml/2006/main" xmlns:r="http://schemas.openxmlformats.org/officeDocument/2006/relationships" xmlns:p="http://schemas.openxmlformats.org/presentationml/2006/main">
   <p:cSld>
     <p:spTree>
       <p:nvGrpSpPr>
@@ -3375,103 +3449,19 @@
         </p:nvSpPr>
         <p:spPr/>
         <p:txBody>
-          <a:bodyPr/>
+          <a:bodyPr>
+            <a:normAutofit fontScale="90000"/>
+          </a:bodyPr>
           <a:lstStyle/>
           <a:p>
             <a:r>
               <a:rPr lang="en-US" dirty="0" smtClean="0"/>
-              <a:t>Accelerometer</a:t>
-            </a:r>
-            <a:endParaRPr lang="en-US" dirty="0"/>
-          </a:p>
-        </p:txBody>
-      </p:sp>
-      <p:sp>
-        <p:nvSpPr>
-          <p:cNvPr id="5" name="Content Placeholder 4"/>
-          <p:cNvSpPr>
-            <a:spLocks noGrp="1"/>
-          </p:cNvSpPr>
-          <p:nvPr>
-            <p:ph idx="1"/>
-          </p:nvPr>
-        </p:nvSpPr>
-        <p:spPr/>
-        <p:txBody>
-          <a:bodyPr/>
-          <a:lstStyle/>
-          <a:p>
-            <a:endParaRPr lang="en-US"/>
-          </a:p>
-        </p:txBody>
-      </p:sp>
-    </p:spTree>
-  </p:cSld>
-  <p:clrMapOvr>
-    <a:masterClrMapping/>
-  </p:clrMapOvr>
-</p:sld>
-</file>
-
-<file path=ppt/slides/slide5.xml><?xml version="1.0" encoding="utf-8"?>
-<p:sld xmlns:a="http://schemas.openxmlformats.org/drawingml/2006/main" xmlns:r="http://schemas.openxmlformats.org/officeDocument/2006/relationships" xmlns:mc="http://schemas.openxmlformats.org/markup-compatibility/2006" xmlns:mv="urn:schemas-microsoft-com:mac:vml" xmlns:p="http://schemas.openxmlformats.org/presentationml/2006/main" mc:Ignorable="mv" mc:PreserveAttributes="mv:*">
-  <p:cSld>
-    <p:spTree>
-      <p:nvGrpSpPr>
-        <p:cNvPr id="1" name=""/>
-        <p:cNvGrpSpPr/>
-        <p:nvPr/>
-      </p:nvGrpSpPr>
-      <p:grpSpPr>
-        <a:xfrm>
-          <a:off x="0" y="0"/>
-          <a:ext cx="0" cy="0"/>
-          <a:chOff x="0" y="0"/>
-          <a:chExt cx="0" cy="0"/>
-        </a:xfrm>
-      </p:grpSpPr>
-      <p:sp>
-        <p:nvSpPr>
-          <p:cNvPr id="2" name="Title 1"/>
-          <p:cNvSpPr>
-            <a:spLocks noGrp="1"/>
-          </p:cNvSpPr>
-          <p:nvPr>
-            <p:ph type="title"/>
-          </p:nvPr>
-        </p:nvSpPr>
-        <p:spPr/>
-        <p:txBody>
-          <a:bodyPr/>
-          <a:lstStyle/>
-          <a:p>
-            <a:r>
-              <a:rPr lang="en-US" dirty="0" smtClean="0"/>
-              <a:t>Orientation </a:t>
+              <a:t>Accelerometer &amp; Orientation </a:t>
             </a:r>
             <a:r>
               <a:rPr lang="en-US" dirty="0" smtClean="0"/>
               <a:t>Sensor</a:t>
             </a:r>
-            <a:endParaRPr lang="en-US" dirty="0"/>
-          </a:p>
-        </p:txBody>
-      </p:sp>
-      <p:sp>
-        <p:nvSpPr>
-          <p:cNvPr id="5" name="Content Placeholder 4"/>
-          <p:cNvSpPr>
-            <a:spLocks noGrp="1"/>
-          </p:cNvSpPr>
-          <p:nvPr>
-            <p:ph idx="1"/>
-          </p:nvPr>
-        </p:nvSpPr>
-        <p:spPr/>
-        <p:txBody>
-          <a:bodyPr/>
-          <a:lstStyle/>
-          <a:p>
             <a:endParaRPr lang="en-US" dirty="0"/>
           </a:p>
         </p:txBody>
@@ -3556,8 +3546,8 @@
 </p:sld>
 </file>
 
-<file path=ppt/slides/slide6.xml><?xml version="1.0" encoding="utf-8"?>
-<p:sld xmlns:a="http://schemas.openxmlformats.org/drawingml/2006/main" xmlns:r="http://schemas.openxmlformats.org/officeDocument/2006/relationships" xmlns:mc="http://schemas.openxmlformats.org/markup-compatibility/2006" xmlns:mv="urn:schemas-microsoft-com:mac:vml" xmlns:p="http://schemas.openxmlformats.org/presentationml/2006/main" mc:Ignorable="mv" mc:PreserveAttributes="mv:*">
+<file path=ppt/slides/slide5.xml><?xml version="1.0" encoding="utf-8"?>
+<p:sld xmlns:a="http://schemas.openxmlformats.org/drawingml/2006/main" xmlns:r="http://schemas.openxmlformats.org/officeDocument/2006/relationships" xmlns:p="http://schemas.openxmlformats.org/presentationml/2006/main">
   <p:cSld>
     <p:spTree>
       <p:nvGrpSpPr>
@@ -3620,26 +3610,31 @@
             <a:pPr lvl="1"/>
             <a:r>
               <a:rPr lang="en-US" dirty="0" smtClean="0"/>
-              <a:t>SVM Linear Kernel </a:t>
+              <a:t>SVM </a:t>
+            </a:r>
+            <a:r>
+              <a:rPr lang="en-US" dirty="0" smtClean="0"/>
+              <a:t>with Linear </a:t>
+            </a:r>
+            <a:r>
+              <a:rPr lang="en-US" dirty="0" smtClean="0"/>
+              <a:t>Kernel </a:t>
             </a:r>
           </a:p>
           <a:p>
             <a:pPr lvl="2"/>
             <a:r>
               <a:rPr lang="en-US" dirty="0" smtClean="0"/>
-              <a:t>L1 </a:t>
-            </a:r>
-            <a:r>
-              <a:rPr lang="en-US" smtClean="0"/>
-              <a:t>soft margin </a:t>
+              <a:t>L1 soft margin </a:t>
             </a:r>
           </a:p>
           <a:p>
             <a:pPr lvl="1"/>
             <a:r>
               <a:rPr lang="en-US" dirty="0" smtClean="0"/>
-              <a:t>Leave-one-out</a:t>
-            </a:r>
+              <a:t>K-fold cross validation(K = 20 or leave-one-out)</a:t>
+            </a:r>
+            <a:endParaRPr lang="en-US" dirty="0" smtClean="0"/>
           </a:p>
           <a:p>
             <a:r>
@@ -3670,8 +3665,8 @@
 </p:sld>
 </file>
 
-<file path=ppt/slides/slide7.xml><?xml version="1.0" encoding="utf-8"?>
-<p:sld xmlns:a="http://schemas.openxmlformats.org/drawingml/2006/main" xmlns:r="http://schemas.openxmlformats.org/officeDocument/2006/relationships" xmlns:mc="http://schemas.openxmlformats.org/markup-compatibility/2006" xmlns:mv="urn:schemas-microsoft-com:mac:vml" xmlns:p="http://schemas.openxmlformats.org/presentationml/2006/main" mc:Ignorable="mv" mc:PreserveAttributes="mv:*">
+<file path=ppt/slides/slide6.xml><?xml version="1.0" encoding="utf-8"?>
+<p:sld xmlns:a="http://schemas.openxmlformats.org/drawingml/2006/main" xmlns:r="http://schemas.openxmlformats.org/officeDocument/2006/relationships" xmlns:p="http://schemas.openxmlformats.org/presentationml/2006/main">
   <p:cSld>
     <p:spTree>
       <p:nvGrpSpPr>
@@ -3727,12 +3722,94 @@
           <a:p>
             <a:r>
               <a:rPr lang="en-US" dirty="0" smtClean="0"/>
-              <a:t>Error Rate</a:t>
+              <a:t>Error </a:t>
+            </a:r>
+            <a:r>
+              <a:rPr lang="en-US" dirty="0" smtClean="0"/>
+              <a:t>Rate</a:t>
             </a:r>
             <a:endParaRPr lang="en-US" dirty="0"/>
           </a:p>
         </p:txBody>
       </p:sp>
+    </p:spTree>
+  </p:cSld>
+  <p:clrMapOvr>
+    <a:masterClrMapping/>
+  </p:clrMapOvr>
+</p:sld>
+</file>
+
+<file path=ppt/slides/slide7.xml><?xml version="1.0" encoding="utf-8"?>
+<p:sld xmlns:a="http://schemas.openxmlformats.org/drawingml/2006/main" xmlns:r="http://schemas.openxmlformats.org/officeDocument/2006/relationships" xmlns:p="http://schemas.openxmlformats.org/presentationml/2006/main">
+  <p:cSld>
+    <p:spTree>
+      <p:nvGrpSpPr>
+        <p:cNvPr id="1" name=""/>
+        <p:cNvGrpSpPr/>
+        <p:nvPr/>
+      </p:nvGrpSpPr>
+      <p:grpSpPr>
+        <a:xfrm>
+          <a:off x="0" y="0"/>
+          <a:ext cx="0" cy="0"/>
+          <a:chOff x="0" y="0"/>
+          <a:chExt cx="0" cy="0"/>
+        </a:xfrm>
+      </p:grpSpPr>
+      <p:sp>
+        <p:nvSpPr>
+          <p:cNvPr id="2" name="標題 1"/>
+          <p:cNvSpPr>
+            <a:spLocks noGrp="1"/>
+          </p:cNvSpPr>
+          <p:nvPr>
+            <p:ph type="title"/>
+          </p:nvPr>
+        </p:nvSpPr>
+        <p:spPr/>
+        <p:txBody>
+          <a:bodyPr/>
+          <a:lstStyle/>
+          <a:p>
+            <a:r>
+              <a:rPr lang="en-US" dirty="0" smtClean="0"/>
+              <a:t>Live </a:t>
+            </a:r>
+            <a:r>
+              <a:rPr lang="en-US" altLang="zh-TW" dirty="0" smtClean="0"/>
+              <a:t>Demo</a:t>
+            </a:r>
+            <a:endParaRPr lang="en-US" dirty="0"/>
+          </a:p>
+        </p:txBody>
+      </p:sp>
+      <p:pic>
+        <p:nvPicPr>
+          <p:cNvPr id="1026" name="Picture 2" descr="C:\Users\genexliu\Desktop\king.png"/>
+          <p:cNvPicPr>
+            <a:picLocks noChangeAspect="1" noChangeArrowheads="1"/>
+          </p:cNvPicPr>
+          <p:nvPr/>
+        </p:nvPicPr>
+        <p:blipFill>
+          <a:blip r:embed="rId2"/>
+          <a:srcRect/>
+          <a:stretch>
+            <a:fillRect/>
+          </a:stretch>
+        </p:blipFill>
+        <p:spPr bwMode="auto">
+          <a:xfrm>
+            <a:off x="2811234" y="2088697"/>
+            <a:ext cx="3904885" cy="3397250"/>
+          </a:xfrm>
+          <a:prstGeom prst="rect">
+            <a:avLst/>
+          </a:prstGeom>
+          <a:noFill/>
+        </p:spPr>
+      </p:pic>
     </p:spTree>
   </p:cSld>
   <p:clrMapOvr>
